--- a/StateMachine.pptx
+++ b/StateMachine.pptx
@@ -104,6 +104,11 @@
       </a:defRPr>
     </a:lvl9pPr>
   </p:defaultTextStyle>
+  <p:extLst>
+    <p:ext uri="{EFAFB233-063F-42B5-8137-9DF3F51BA10A}">
+      <p15:sldGuideLst xmlns:p15="http://schemas.microsoft.com/office/powerpoint/2012/main"/>
+    </p:ext>
+  </p:extLst>
 </p:presentation>
 </file>
 
@@ -254,7 +259,7 @@
           <a:p>
             <a:fld id="{892BB9A4-FB32-0A48-BBE4-48FDA96CB388}" type="datetimeFigureOut">
               <a:rPr kumimoji="1" lang="zh-CN" altLang="en-US" smtClean="0"/>
-              <a:t>2020/6/13</a:t>
+              <a:t>2020/6/14</a:t>
             </a:fld>
             <a:endParaRPr kumimoji="1" lang="zh-CN" altLang="en-US"/>
           </a:p>
@@ -452,7 +457,7 @@
           <a:p>
             <a:fld id="{892BB9A4-FB32-0A48-BBE4-48FDA96CB388}" type="datetimeFigureOut">
               <a:rPr kumimoji="1" lang="zh-CN" altLang="en-US" smtClean="0"/>
-              <a:t>2020/6/13</a:t>
+              <a:t>2020/6/14</a:t>
             </a:fld>
             <a:endParaRPr kumimoji="1" lang="zh-CN" altLang="en-US"/>
           </a:p>
@@ -660,7 +665,7 @@
           <a:p>
             <a:fld id="{892BB9A4-FB32-0A48-BBE4-48FDA96CB388}" type="datetimeFigureOut">
               <a:rPr kumimoji="1" lang="zh-CN" altLang="en-US" smtClean="0"/>
-              <a:t>2020/6/13</a:t>
+              <a:t>2020/6/14</a:t>
             </a:fld>
             <a:endParaRPr kumimoji="1" lang="zh-CN" altLang="en-US"/>
           </a:p>
@@ -858,7 +863,7 @@
           <a:p>
             <a:fld id="{892BB9A4-FB32-0A48-BBE4-48FDA96CB388}" type="datetimeFigureOut">
               <a:rPr kumimoji="1" lang="zh-CN" altLang="en-US" smtClean="0"/>
-              <a:t>2020/6/13</a:t>
+              <a:t>2020/6/14</a:t>
             </a:fld>
             <a:endParaRPr kumimoji="1" lang="zh-CN" altLang="en-US"/>
           </a:p>
@@ -1133,7 +1138,7 @@
           <a:p>
             <a:fld id="{892BB9A4-FB32-0A48-BBE4-48FDA96CB388}" type="datetimeFigureOut">
               <a:rPr kumimoji="1" lang="zh-CN" altLang="en-US" smtClean="0"/>
-              <a:t>2020/6/13</a:t>
+              <a:t>2020/6/14</a:t>
             </a:fld>
             <a:endParaRPr kumimoji="1" lang="zh-CN" altLang="en-US"/>
           </a:p>
@@ -1398,7 +1403,7 @@
           <a:p>
             <a:fld id="{892BB9A4-FB32-0A48-BBE4-48FDA96CB388}" type="datetimeFigureOut">
               <a:rPr kumimoji="1" lang="zh-CN" altLang="en-US" smtClean="0"/>
-              <a:t>2020/6/13</a:t>
+              <a:t>2020/6/14</a:t>
             </a:fld>
             <a:endParaRPr kumimoji="1" lang="zh-CN" altLang="en-US"/>
           </a:p>
@@ -1810,7 +1815,7 @@
           <a:p>
             <a:fld id="{892BB9A4-FB32-0A48-BBE4-48FDA96CB388}" type="datetimeFigureOut">
               <a:rPr kumimoji="1" lang="zh-CN" altLang="en-US" smtClean="0"/>
-              <a:t>2020/6/13</a:t>
+              <a:t>2020/6/14</a:t>
             </a:fld>
             <a:endParaRPr kumimoji="1" lang="zh-CN" altLang="en-US"/>
           </a:p>
@@ -1951,7 +1956,7 @@
           <a:p>
             <a:fld id="{892BB9A4-FB32-0A48-BBE4-48FDA96CB388}" type="datetimeFigureOut">
               <a:rPr kumimoji="1" lang="zh-CN" altLang="en-US" smtClean="0"/>
-              <a:t>2020/6/13</a:t>
+              <a:t>2020/6/14</a:t>
             </a:fld>
             <a:endParaRPr kumimoji="1" lang="zh-CN" altLang="en-US"/>
           </a:p>
@@ -2064,7 +2069,7 @@
           <a:p>
             <a:fld id="{892BB9A4-FB32-0A48-BBE4-48FDA96CB388}" type="datetimeFigureOut">
               <a:rPr kumimoji="1" lang="zh-CN" altLang="en-US" smtClean="0"/>
-              <a:t>2020/6/13</a:t>
+              <a:t>2020/6/14</a:t>
             </a:fld>
             <a:endParaRPr kumimoji="1" lang="zh-CN" altLang="en-US"/>
           </a:p>
@@ -2375,7 +2380,7 @@
           <a:p>
             <a:fld id="{892BB9A4-FB32-0A48-BBE4-48FDA96CB388}" type="datetimeFigureOut">
               <a:rPr kumimoji="1" lang="zh-CN" altLang="en-US" smtClean="0"/>
-              <a:t>2020/6/13</a:t>
+              <a:t>2020/6/14</a:t>
             </a:fld>
             <a:endParaRPr kumimoji="1" lang="zh-CN" altLang="en-US"/>
           </a:p>
@@ -2663,7 +2668,7 @@
           <a:p>
             <a:fld id="{892BB9A4-FB32-0A48-BBE4-48FDA96CB388}" type="datetimeFigureOut">
               <a:rPr kumimoji="1" lang="zh-CN" altLang="en-US" smtClean="0"/>
-              <a:t>2020/6/13</a:t>
+              <a:t>2020/6/14</a:t>
             </a:fld>
             <a:endParaRPr kumimoji="1" lang="zh-CN" altLang="en-US"/>
           </a:p>
@@ -2904,7 +2909,7 @@
           <a:p>
             <a:fld id="{892BB9A4-FB32-0A48-BBE4-48FDA96CB388}" type="datetimeFigureOut">
               <a:rPr kumimoji="1" lang="zh-CN" altLang="en-US" smtClean="0"/>
-              <a:t>2020/6/13</a:t>
+              <a:t>2020/6/14</a:t>
             </a:fld>
             <a:endParaRPr kumimoji="1" lang="zh-CN" altLang="en-US"/>
           </a:p>
@@ -3335,27 +3340,22 @@
         </p:nvSpPr>
         <p:spPr>
           <a:xfrm>
-            <a:off x="1222515" y="3120887"/>
-            <a:ext cx="8703364" cy="526774"/>
+            <a:off x="1222515" y="3041374"/>
+            <a:ext cx="10336694" cy="2514600"/>
           </a:xfrm>
           <a:prstGeom prst="rect">
             <a:avLst/>
           </a:prstGeom>
-          <a:solidFill>
-            <a:schemeClr val="accent2"/>
-          </a:solidFill>
         </p:spPr>
         <p:style>
-          <a:lnRef idx="2">
-            <a:schemeClr val="accent1">
-              <a:shade val="50000"/>
-            </a:schemeClr>
+          <a:lnRef idx="3">
+            <a:schemeClr val="lt1"/>
           </a:lnRef>
           <a:fillRef idx="1">
-            <a:schemeClr val="accent1"/>
+            <a:schemeClr val="accent3"/>
           </a:fillRef>
-          <a:effectRef idx="0">
-            <a:schemeClr val="accent1"/>
+          <a:effectRef idx="1">
+            <a:schemeClr val="accent3"/>
           </a:effectRef>
           <a:fontRef idx="minor">
             <a:schemeClr val="lt1"/>
@@ -3367,54 +3367,41 @@
           <a:p>
             <a:pPr algn="ctr"/>
             <a:r>
-              <a:rPr kumimoji="1" lang="zh-CN" altLang="en-US" dirty="0"/>
+              <a:rPr kumimoji="1" lang="zh-CN" altLang="en-US" sz="2000" dirty="0"/>
               <a:t>状态机理论</a:t>
             </a:r>
             <a:r>
-              <a:rPr kumimoji="1" lang="en-US" altLang="zh-CN" dirty="0"/>
-              <a:t>: Events</a:t>
-            </a:r>
-            <a:r>
-              <a:rPr kumimoji="1" lang="zh-CN" altLang="en-US" dirty="0"/>
-              <a:t>、</a:t>
-            </a:r>
-            <a:r>
-              <a:rPr kumimoji="1" lang="en-US" altLang="zh-CN" dirty="0"/>
-              <a:t>Ordering</a:t>
-            </a:r>
-            <a:r>
-              <a:rPr kumimoji="1" lang="zh-CN" altLang="en-US" dirty="0"/>
-              <a:t>、状态、行为、不变式和归纳法推导</a:t>
-            </a:r>
-            <a:endParaRPr kumimoji="1" lang="en-US" altLang="zh-CN" dirty="0"/>
+              <a:rPr kumimoji="1" lang="en-US" altLang="zh-CN" sz="2000" dirty="0"/>
+              <a:t>(</a:t>
+            </a:r>
+            <a:r>
+              <a:rPr kumimoji="1" lang="zh-CN" altLang="en-US" sz="2000" dirty="0"/>
+              <a:t>基础</a:t>
+            </a:r>
+            <a:r>
+              <a:rPr kumimoji="1" lang="en-US" altLang="zh-CN" sz="2000" dirty="0"/>
+              <a:t>)</a:t>
+            </a:r>
           </a:p>
           <a:p>
             <a:pPr algn="ctr"/>
-            <a:r>
-              <a:rPr kumimoji="1" lang="zh-CN" altLang="en-US" dirty="0"/>
-              <a:t>主要文章：</a:t>
-            </a:r>
-            <a:r>
-              <a:rPr kumimoji="1" lang="en-US" altLang="zh-CN" dirty="0"/>
-              <a:t>“Time Clocks …”</a:t>
-            </a:r>
-            <a:r>
-              <a:rPr kumimoji="1" lang="zh-CN" altLang="en-US" dirty="0"/>
-              <a:t> </a:t>
-            </a:r>
-            <a:r>
-              <a:rPr kumimoji="1" lang="en-US" altLang="zh-CN" dirty="0"/>
-              <a:t>+</a:t>
-            </a:r>
-            <a:r>
-              <a:rPr kumimoji="1" lang="zh-CN" altLang="en-US" dirty="0"/>
-              <a:t> </a:t>
-            </a:r>
-            <a:r>
-              <a:rPr kumimoji="1" lang="en-US" altLang="zh-CN" dirty="0"/>
-              <a:t>“Computation and State Machines”</a:t>
-            </a:r>
-            <a:endParaRPr kumimoji="1" lang="zh-CN" altLang="en-US" dirty="0"/>
+            <a:endParaRPr kumimoji="1" lang="en-US" altLang="zh-CN" sz="2000" dirty="0"/>
+          </a:p>
+          <a:p>
+            <a:pPr algn="ctr"/>
+            <a:endParaRPr kumimoji="1" lang="en-US" altLang="zh-CN" sz="2800" dirty="0"/>
+          </a:p>
+          <a:p>
+            <a:pPr algn="ctr"/>
+            <a:endParaRPr kumimoji="1" lang="en-US" altLang="zh-CN" sz="2800" dirty="0"/>
+          </a:p>
+          <a:p>
+            <a:pPr algn="ctr"/>
+            <a:endParaRPr kumimoji="1" lang="en-US" altLang="zh-CN" sz="2800" dirty="0"/>
+          </a:p>
+          <a:p>
+            <a:pPr algn="ctr"/>
+            <a:endParaRPr kumimoji="1" lang="en-US" altLang="zh-CN" sz="2800" dirty="0"/>
           </a:p>
         </p:txBody>
       </p:sp>
@@ -3432,8 +3419,8 @@
         </p:nvSpPr>
         <p:spPr>
           <a:xfrm>
-            <a:off x="1222514" y="2070652"/>
-            <a:ext cx="3846443" cy="526774"/>
+            <a:off x="1222515" y="1094309"/>
+            <a:ext cx="2978607" cy="526774"/>
           </a:xfrm>
           <a:prstGeom prst="rect">
             <a:avLst/>
@@ -3441,44 +3428,77 @@
         </p:spPr>
         <p:style>
           <a:lnRef idx="2">
-            <a:schemeClr val="accent1">
+            <a:schemeClr val="accent2">
               <a:shade val="50000"/>
             </a:schemeClr>
           </a:lnRef>
           <a:fillRef idx="1">
-            <a:schemeClr val="accent1"/>
+            <a:schemeClr val="accent2"/>
           </a:fillRef>
           <a:effectRef idx="0">
-            <a:schemeClr val="accent1"/>
+            <a:schemeClr val="accent2"/>
           </a:effectRef>
           <a:fontRef idx="minor">
             <a:schemeClr val="lt1"/>
           </a:fontRef>
         </p:style>
         <p:txBody>
-          <a:bodyPr rtlCol="0" anchor="ctr"/>
+          <a:bodyPr rot="0" spcFirstLastPara="0" vertOverflow="overflow" horzOverflow="overflow" vert="horz" wrap="square" lIns="91440" tIns="45720" rIns="91440" bIns="45720" numCol="1" spcCol="0" rtlCol="0" fromWordArt="0" anchor="ctr" anchorCtr="0" forceAA="0" compatLnSpc="1">
+            <a:prstTxWarp prst="textNoShape">
+              <a:avLst/>
+            </a:prstTxWarp>
+            <a:noAutofit/>
+          </a:bodyPr>
           <a:lstStyle/>
           <a:p>
             <a:pPr algn="ctr"/>
             <a:r>
-              <a:rPr kumimoji="1" lang="zh-CN" altLang="en-US" dirty="0"/>
-              <a:t>形式化证明</a:t>
-            </a:r>
-            <a:r>
-              <a:rPr kumimoji="1" lang="en-US" altLang="zh-CN" dirty="0"/>
+              <a:rPr kumimoji="1" lang="zh-CN" altLang="en-US" dirty="0">
+                <a:solidFill>
+                  <a:schemeClr val="lt1"/>
+                </a:solidFill>
+              </a:rPr>
+              <a:t>归纳法证明</a:t>
+            </a:r>
+            <a:endParaRPr kumimoji="1" lang="en-US" altLang="zh-CN" dirty="0">
+              <a:solidFill>
+                <a:schemeClr val="lt1"/>
+              </a:solidFill>
+            </a:endParaRPr>
+          </a:p>
+          <a:p>
+            <a:pPr algn="ctr"/>
+            <a:r>
+              <a:rPr kumimoji="1" lang="en-US" altLang="zh-CN" dirty="0">
+                <a:solidFill>
+                  <a:schemeClr val="lt1"/>
+                </a:solidFill>
+              </a:rPr>
               <a:t>(</a:t>
             </a:r>
             <a:r>
-              <a:rPr kumimoji="1" lang="zh-CN" altLang="en-US" dirty="0"/>
-              <a:t>例如</a:t>
-            </a:r>
-            <a:r>
-              <a:rPr kumimoji="1" lang="en-US" altLang="zh-CN" dirty="0" err="1"/>
+              <a:rPr kumimoji="1" lang="zh-CN" altLang="en-US" dirty="0">
+                <a:solidFill>
+                  <a:schemeClr val="lt1"/>
+                </a:solidFill>
+              </a:rPr>
+              <a:t>例如 </a:t>
+            </a:r>
+            <a:r>
+              <a:rPr kumimoji="1" lang="en-US" altLang="zh-CN" dirty="0" err="1">
+                <a:solidFill>
+                  <a:schemeClr val="lt1"/>
+                </a:solidFill>
+              </a:rPr>
               <a:t>Paxos</a:t>
             </a:r>
             <a:r>
-              <a:rPr kumimoji="1" lang="zh-CN" altLang="en-US" dirty="0"/>
-              <a:t>的正确性）</a:t>
+              <a:rPr kumimoji="1" lang="zh-CN" altLang="en-US" dirty="0">
+                <a:solidFill>
+                  <a:schemeClr val="lt1"/>
+                </a:solidFill>
+              </a:rPr>
+              <a:t> 的正确性）</a:t>
             </a:r>
           </a:p>
         </p:txBody>
@@ -3497,8 +3517,8 @@
         </p:nvSpPr>
         <p:spPr>
           <a:xfrm>
-            <a:off x="5327372" y="2068996"/>
-            <a:ext cx="1537255" cy="526774"/>
+            <a:off x="5031740" y="1056675"/>
+            <a:ext cx="2802837" cy="574166"/>
           </a:xfrm>
           <a:prstGeom prst="rect">
             <a:avLst/>
@@ -3506,15 +3526,15 @@
         </p:spPr>
         <p:style>
           <a:lnRef idx="2">
-            <a:schemeClr val="accent1">
+            <a:schemeClr val="accent2">
               <a:shade val="50000"/>
             </a:schemeClr>
           </a:lnRef>
           <a:fillRef idx="1">
-            <a:schemeClr val="accent1"/>
+            <a:schemeClr val="accent2"/>
           </a:fillRef>
           <a:effectRef idx="0">
-            <a:schemeClr val="accent1"/>
+            <a:schemeClr val="accent2"/>
           </a:effectRef>
           <a:fontRef idx="minor">
             <a:schemeClr val="lt1"/>
@@ -3531,8 +3551,15 @@
           <a:p>
             <a:pPr algn="ctr"/>
             <a:r>
+              <a:rPr kumimoji="1" lang="en-US" altLang="zh-CN" dirty="0"/>
+              <a:t>《Distributed Snapshots》</a:t>
+            </a:r>
+          </a:p>
+          <a:p>
+            <a:pPr algn="ctr"/>
+            <a:r>
               <a:rPr kumimoji="1" lang="zh-CN" altLang="en-US" dirty="0"/>
-              <a:t>分布式快照</a:t>
+              <a:t>分布式快照的正确性证明</a:t>
             </a:r>
           </a:p>
         </p:txBody>
@@ -3551,8 +3578,8 @@
         </p:nvSpPr>
         <p:spPr>
           <a:xfrm>
-            <a:off x="7123042" y="2080592"/>
-            <a:ext cx="2802837" cy="526774"/>
+            <a:off x="8524460" y="1046917"/>
+            <a:ext cx="3034749" cy="574166"/>
           </a:xfrm>
           <a:prstGeom prst="rect">
             <a:avLst/>
@@ -3560,15 +3587,15 @@
         </p:spPr>
         <p:style>
           <a:lnRef idx="2">
-            <a:schemeClr val="accent1">
+            <a:schemeClr val="accent2">
               <a:shade val="50000"/>
             </a:schemeClr>
           </a:lnRef>
           <a:fillRef idx="1">
-            <a:schemeClr val="accent1"/>
+            <a:schemeClr val="accent2"/>
           </a:fillRef>
           <a:effectRef idx="0">
-            <a:schemeClr val="accent1"/>
+            <a:schemeClr val="accent2"/>
           </a:effectRef>
           <a:fontRef idx="minor">
             <a:schemeClr val="lt1"/>
@@ -3585,14 +3612,674 @@
           <a:p>
             <a:pPr algn="ctr"/>
             <a:r>
+              <a:rPr kumimoji="1" lang="zh-CN" altLang="en-US" dirty="0">
+                <a:solidFill>
+                  <a:schemeClr val="lt1"/>
+                </a:solidFill>
+              </a:rPr>
+              <a:t>形式化验证 </a:t>
+            </a:r>
+            <a:endParaRPr kumimoji="1" lang="en-US" altLang="zh-CN" dirty="0">
+              <a:solidFill>
+                <a:schemeClr val="lt1"/>
+              </a:solidFill>
+            </a:endParaRPr>
+          </a:p>
+          <a:p>
+            <a:pPr algn="ctr"/>
+            <a:r>
+              <a:rPr kumimoji="1" lang="en-US" altLang="zh-CN" dirty="0">
+                <a:solidFill>
+                  <a:schemeClr val="lt1"/>
+                </a:solidFill>
+              </a:rPr>
+              <a:t>(TLA+)</a:t>
+            </a:r>
+            <a:endParaRPr kumimoji="1" lang="zh-CN" altLang="en-US" dirty="0">
+              <a:solidFill>
+                <a:schemeClr val="lt1"/>
+              </a:solidFill>
+            </a:endParaRPr>
+          </a:p>
+        </p:txBody>
+      </p:sp>
+      <p:sp>
+        <p:nvSpPr>
+          <p:cNvPr id="9" name="矩形 8">
+            <a:extLst>
+              <a:ext uri="{FF2B5EF4-FFF2-40B4-BE49-F238E27FC236}">
+                <a16:creationId xmlns:a16="http://schemas.microsoft.com/office/drawing/2014/main" id="{09AF430F-CE6D-704E-AC31-95A7A8168E2A}"/>
+              </a:ext>
+            </a:extLst>
+          </p:cNvPr>
+          <p:cNvSpPr/>
+          <p:nvPr/>
+        </p:nvSpPr>
+        <p:spPr>
+          <a:xfrm>
+            <a:off x="1446166" y="3556214"/>
+            <a:ext cx="9853855" cy="565346"/>
+          </a:xfrm>
+          <a:prstGeom prst="rect">
+            <a:avLst/>
+          </a:prstGeom>
+          <a:ln/>
+        </p:spPr>
+        <p:style>
+          <a:lnRef idx="1">
+            <a:schemeClr val="accent4"/>
+          </a:lnRef>
+          <a:fillRef idx="2">
+            <a:schemeClr val="accent4"/>
+          </a:fillRef>
+          <a:effectRef idx="1">
+            <a:schemeClr val="accent4"/>
+          </a:effectRef>
+          <a:fontRef idx="minor">
+            <a:schemeClr val="dk1"/>
+          </a:fontRef>
+        </p:style>
+        <p:txBody>
+          <a:bodyPr rot="0" spcFirstLastPara="0" vertOverflow="overflow" horzOverflow="overflow" vert="horz" wrap="square" lIns="91440" tIns="45720" rIns="91440" bIns="45720" numCol="1" spcCol="0" rtlCol="0" fromWordArt="0" anchor="ctr" anchorCtr="0" forceAA="0" compatLnSpc="1">
+            <a:prstTxWarp prst="textNoShape">
+              <a:avLst/>
+            </a:prstTxWarp>
+            <a:noAutofit/>
+          </a:bodyPr>
+          <a:lstStyle/>
+          <a:p>
+            <a:pPr algn="ctr"/>
+            <a:r>
+              <a:rPr kumimoji="1" lang="en-US" altLang="zh-CN" dirty="0"/>
+              <a:t> </a:t>
+            </a:r>
+            <a:r>
+              <a:rPr kumimoji="1" lang="en-US" altLang="zh-CN" b="1" dirty="0"/>
+              <a:t>《Computation and State Machines》 </a:t>
+            </a:r>
+            <a:r>
+              <a:rPr kumimoji="1" lang="en-US" altLang="zh-CN" dirty="0"/>
+              <a:t>:</a:t>
+            </a:r>
+            <a:r>
               <a:rPr kumimoji="1" lang="zh-CN" altLang="en-US" dirty="0"/>
-              <a:t>形式化验证</a:t>
+              <a:t>事件、状态、行为、不变式和归纳法推导</a:t>
+            </a:r>
+            <a:endParaRPr kumimoji="1" lang="en-US" altLang="zh-CN" dirty="0"/>
+          </a:p>
+        </p:txBody>
+      </p:sp>
+      <p:sp>
+        <p:nvSpPr>
+          <p:cNvPr id="10" name="矩形 9">
+            <a:extLst>
+              <a:ext uri="{FF2B5EF4-FFF2-40B4-BE49-F238E27FC236}">
+                <a16:creationId xmlns:a16="http://schemas.microsoft.com/office/drawing/2014/main" id="{1FC6A913-1478-CC4B-B1FB-7364EE9E4193}"/>
+              </a:ext>
+            </a:extLst>
+          </p:cNvPr>
+          <p:cNvSpPr/>
+          <p:nvPr/>
+        </p:nvSpPr>
+        <p:spPr>
+          <a:xfrm>
+            <a:off x="1418892" y="4732722"/>
+            <a:ext cx="9881130" cy="725918"/>
+          </a:xfrm>
+          <a:prstGeom prst="rect">
+            <a:avLst/>
+          </a:prstGeom>
+          <a:ln/>
+        </p:spPr>
+        <p:style>
+          <a:lnRef idx="1">
+            <a:schemeClr val="accent4"/>
+          </a:lnRef>
+          <a:fillRef idx="2">
+            <a:schemeClr val="accent4"/>
+          </a:fillRef>
+          <a:effectRef idx="1">
+            <a:schemeClr val="accent4"/>
+          </a:effectRef>
+          <a:fontRef idx="minor">
+            <a:schemeClr val="dk1"/>
+          </a:fontRef>
+        </p:style>
+        <p:txBody>
+          <a:bodyPr rot="0" spcFirstLastPara="0" vertOverflow="overflow" horzOverflow="overflow" vert="horz" wrap="square" lIns="91440" tIns="45720" rIns="91440" bIns="45720" numCol="1" spcCol="0" rtlCol="0" fromWordArt="0" anchor="ctr" anchorCtr="0" forceAA="0" compatLnSpc="1">
+            <a:prstTxWarp prst="textNoShape">
+              <a:avLst/>
+            </a:prstTxWarp>
+            <a:noAutofit/>
+          </a:bodyPr>
+          <a:lstStyle/>
+          <a:p>
+            <a:pPr algn="ctr"/>
+            <a:r>
+              <a:rPr kumimoji="1" lang="en-US" altLang="zh-CN" dirty="0">
+                <a:solidFill>
+                  <a:schemeClr val="dk1"/>
+                </a:solidFill>
+              </a:rPr>
+              <a:t> </a:t>
+            </a:r>
+            <a:r>
+              <a:rPr kumimoji="1" lang="en-US" altLang="zh-CN" b="1" dirty="0">
+                <a:solidFill>
+                  <a:schemeClr val="dk1"/>
+                </a:solidFill>
+              </a:rPr>
+              <a:t>《Time, Clocks </a:t>
+            </a:r>
+            <a:r>
+              <a:rPr kumimoji="1" lang="en" altLang="zh-CN" b="1" dirty="0">
+                <a:solidFill>
+                  <a:schemeClr val="dk1"/>
+                </a:solidFill>
+              </a:rPr>
+              <a:t>and the Ordering of Events in a Distributed System</a:t>
+            </a:r>
+            <a:r>
+              <a:rPr kumimoji="1" lang="en-US" altLang="zh-CN" b="1" dirty="0">
+                <a:solidFill>
+                  <a:schemeClr val="dk1"/>
+                </a:solidFill>
+              </a:rPr>
+              <a:t>》: </a:t>
+            </a:r>
+            <a:r>
+              <a:rPr kumimoji="1" lang="zh-CN" altLang="en-US" b="1" dirty="0">
+                <a:solidFill>
+                  <a:schemeClr val="dk1"/>
+                </a:solidFill>
+              </a:rPr>
+              <a:t> </a:t>
+            </a:r>
+            <a:r>
+              <a:rPr kumimoji="1" lang="en-US" altLang="zh-CN" dirty="0">
+                <a:solidFill>
+                  <a:schemeClr val="dk1"/>
+                </a:solidFill>
+              </a:rPr>
+              <a:t>Causal Ordering </a:t>
+            </a:r>
+            <a:r>
+              <a:rPr kumimoji="1" lang="zh-CN" altLang="en-US" dirty="0">
+                <a:solidFill>
+                  <a:schemeClr val="dk1"/>
+                </a:solidFill>
+              </a:rPr>
+              <a:t>和</a:t>
+            </a:r>
+            <a:r>
+              <a:rPr kumimoji="1" lang="en-US" altLang="zh-CN" dirty="0">
+                <a:solidFill>
+                  <a:schemeClr val="dk1"/>
+                </a:solidFill>
+              </a:rPr>
+              <a:t> Total Ordering</a:t>
             </a:r>
             <a:r>
               <a:rPr kumimoji="1" lang="en-US" altLang="zh-CN" dirty="0"/>
-              <a:t>(TLA+)</a:t>
-            </a:r>
-            <a:endParaRPr kumimoji="1" lang="zh-CN" altLang="en-US" dirty="0"/>
+              <a:t>; </a:t>
+            </a:r>
+            <a:r>
+              <a:rPr kumimoji="1" lang="zh-CN" altLang="en-US" dirty="0">
+                <a:solidFill>
+                  <a:schemeClr val="dk1"/>
+                </a:solidFill>
+              </a:rPr>
+              <a:t>为什么能把分布式系统看成一个</a:t>
+            </a:r>
+            <a:r>
+              <a:rPr kumimoji="1" lang="zh-CN" altLang="en-US" b="1" dirty="0"/>
+              <a:t>顺序化状态机</a:t>
+            </a:r>
+            <a:r>
+              <a:rPr kumimoji="1" lang="en" altLang="zh-CN" dirty="0">
+                <a:solidFill>
+                  <a:schemeClr val="dk1"/>
+                </a:solidFill>
+              </a:rPr>
+              <a:t>?</a:t>
+            </a:r>
+            <a:endParaRPr kumimoji="1" lang="en-US" altLang="zh-CN" dirty="0">
+              <a:solidFill>
+                <a:schemeClr val="dk1"/>
+              </a:solidFill>
+            </a:endParaRPr>
+          </a:p>
+        </p:txBody>
+      </p:sp>
+      <p:sp>
+        <p:nvSpPr>
+          <p:cNvPr id="2" name="上箭头 1">
+            <a:extLst>
+              <a:ext uri="{FF2B5EF4-FFF2-40B4-BE49-F238E27FC236}">
+                <a16:creationId xmlns:a16="http://schemas.microsoft.com/office/drawing/2014/main" id="{7685F3FC-657C-AE45-A07F-6B9B444DD77D}"/>
+              </a:ext>
+            </a:extLst>
+          </p:cNvPr>
+          <p:cNvSpPr/>
+          <p:nvPr/>
+        </p:nvSpPr>
+        <p:spPr>
+          <a:xfrm>
+            <a:off x="6548703" y="1621082"/>
+            <a:ext cx="437321" cy="1420291"/>
+          </a:xfrm>
+          <a:prstGeom prst="upArrow">
+            <a:avLst/>
+          </a:prstGeom>
+          <a:gradFill flip="none" rotWithShape="1">
+            <a:gsLst>
+              <a:gs pos="0">
+                <a:schemeClr val="accent3">
+                  <a:lumMod val="67000"/>
+                </a:schemeClr>
+              </a:gs>
+              <a:gs pos="48000">
+                <a:schemeClr val="accent3">
+                  <a:lumMod val="97000"/>
+                  <a:lumOff val="3000"/>
+                </a:schemeClr>
+              </a:gs>
+              <a:gs pos="100000">
+                <a:schemeClr val="accent3">
+                  <a:lumMod val="60000"/>
+                  <a:lumOff val="40000"/>
+                </a:schemeClr>
+              </a:gs>
+            </a:gsLst>
+            <a:lin ang="16200000" scaled="1"/>
+            <a:tileRect/>
+          </a:gradFill>
+          <a:ln>
+            <a:noFill/>
+          </a:ln>
+        </p:spPr>
+        <p:style>
+          <a:lnRef idx="0">
+            <a:scrgbClr r="0" g="0" b="0"/>
+          </a:lnRef>
+          <a:fillRef idx="0">
+            <a:scrgbClr r="0" g="0" b="0"/>
+          </a:fillRef>
+          <a:effectRef idx="0">
+            <a:scrgbClr r="0" g="0" b="0"/>
+          </a:effectRef>
+          <a:fontRef idx="minor">
+            <a:schemeClr val="lt1"/>
+          </a:fontRef>
+        </p:style>
+        <p:txBody>
+          <a:bodyPr rot="0" spcFirstLastPara="0" vertOverflow="overflow" horzOverflow="overflow" vert="horz" wrap="square" lIns="91440" tIns="45720" rIns="91440" bIns="45720" numCol="1" spcCol="0" rtlCol="0" fromWordArt="0" anchor="ctr" anchorCtr="0" forceAA="0" compatLnSpc="1">
+            <a:prstTxWarp prst="textNoShape">
+              <a:avLst/>
+            </a:prstTxWarp>
+            <a:noAutofit/>
+          </a:bodyPr>
+          <a:lstStyle/>
+          <a:p>
+            <a:pPr algn="ctr"/>
+            <a:endParaRPr kumimoji="1" lang="zh-CN" altLang="en-US"/>
+          </a:p>
+        </p:txBody>
+      </p:sp>
+      <p:sp>
+        <p:nvSpPr>
+          <p:cNvPr id="3" name="矩形 2">
+            <a:extLst>
+              <a:ext uri="{FF2B5EF4-FFF2-40B4-BE49-F238E27FC236}">
+                <a16:creationId xmlns:a16="http://schemas.microsoft.com/office/drawing/2014/main" id="{30DD72BA-C68E-3341-A3DE-C0451B037072}"/>
+              </a:ext>
+            </a:extLst>
+          </p:cNvPr>
+          <p:cNvSpPr/>
+          <p:nvPr/>
+        </p:nvSpPr>
+        <p:spPr>
+          <a:xfrm>
+            <a:off x="4831083" y="1934494"/>
+            <a:ext cx="1827068" cy="923330"/>
+          </a:xfrm>
+          <a:prstGeom prst="rect">
+            <a:avLst/>
+          </a:prstGeom>
+        </p:spPr>
+        <p:txBody>
+          <a:bodyPr wrap="square">
+            <a:spAutoFit/>
+          </a:bodyPr>
+          <a:lstStyle/>
+          <a:p>
+            <a:r>
+              <a:rPr kumimoji="1" lang="zh-CN" altLang="en-US" dirty="0"/>
+              <a:t>无因果序事件的</a:t>
+            </a:r>
+            <a:endParaRPr kumimoji="1" lang="en-US" altLang="zh-CN" dirty="0"/>
+          </a:p>
+          <a:p>
+            <a:r>
+              <a:rPr kumimoji="1" lang="en-US" altLang="zh-CN" dirty="0"/>
+              <a:t>Reorder </a:t>
+            </a:r>
+            <a:r>
+              <a:rPr kumimoji="1" lang="zh-CN" altLang="en-US" dirty="0"/>
+              <a:t> </a:t>
+            </a:r>
+            <a:endParaRPr kumimoji="1" lang="en-US" altLang="zh-CN" dirty="0"/>
+          </a:p>
+          <a:p>
+            <a:r>
+              <a:rPr kumimoji="1" lang="en-US" altLang="zh-CN" dirty="0"/>
+              <a:t>+</a:t>
+            </a:r>
+            <a:r>
+              <a:rPr kumimoji="1" lang="zh-CN" altLang="en-US" dirty="0"/>
+              <a:t> 归纳法</a:t>
+            </a:r>
+            <a:endParaRPr lang="zh-CN" altLang="en-US" dirty="0"/>
+          </a:p>
+        </p:txBody>
+      </p:sp>
+      <p:sp>
+        <p:nvSpPr>
+          <p:cNvPr id="11" name="上箭头 10">
+            <a:extLst>
+              <a:ext uri="{FF2B5EF4-FFF2-40B4-BE49-F238E27FC236}">
+                <a16:creationId xmlns:a16="http://schemas.microsoft.com/office/drawing/2014/main" id="{1F0D83B7-F102-B745-8009-E351819B2057}"/>
+              </a:ext>
+            </a:extLst>
+          </p:cNvPr>
+          <p:cNvSpPr/>
+          <p:nvPr/>
+        </p:nvSpPr>
+        <p:spPr>
+          <a:xfrm>
+            <a:off x="9619172" y="1621082"/>
+            <a:ext cx="437321" cy="1424324"/>
+          </a:xfrm>
+          <a:prstGeom prst="upArrow">
+            <a:avLst/>
+          </a:prstGeom>
+          <a:gradFill flip="none" rotWithShape="1">
+            <a:gsLst>
+              <a:gs pos="0">
+                <a:schemeClr val="accent3">
+                  <a:lumMod val="67000"/>
+                </a:schemeClr>
+              </a:gs>
+              <a:gs pos="48000">
+                <a:schemeClr val="accent3">
+                  <a:lumMod val="97000"/>
+                  <a:lumOff val="3000"/>
+                </a:schemeClr>
+              </a:gs>
+              <a:gs pos="100000">
+                <a:schemeClr val="accent3">
+                  <a:lumMod val="60000"/>
+                  <a:lumOff val="40000"/>
+                </a:schemeClr>
+              </a:gs>
+            </a:gsLst>
+            <a:lin ang="16200000" scaled="1"/>
+            <a:tileRect/>
+          </a:gradFill>
+          <a:ln>
+            <a:noFill/>
+          </a:ln>
+        </p:spPr>
+        <p:style>
+          <a:lnRef idx="0">
+            <a:scrgbClr r="0" g="0" b="0"/>
+          </a:lnRef>
+          <a:fillRef idx="0">
+            <a:scrgbClr r="0" g="0" b="0"/>
+          </a:fillRef>
+          <a:effectRef idx="0">
+            <a:scrgbClr r="0" g="0" b="0"/>
+          </a:effectRef>
+          <a:fontRef idx="minor">
+            <a:schemeClr val="lt1"/>
+          </a:fontRef>
+        </p:style>
+        <p:txBody>
+          <a:bodyPr rot="0" spcFirstLastPara="0" vertOverflow="overflow" horzOverflow="overflow" vert="horz" wrap="square" lIns="91440" tIns="45720" rIns="91440" bIns="45720" numCol="1" spcCol="0" rtlCol="0" fromWordArt="0" anchor="ctr" anchorCtr="0" forceAA="0" compatLnSpc="1">
+            <a:prstTxWarp prst="textNoShape">
+              <a:avLst/>
+            </a:prstTxWarp>
+            <a:noAutofit/>
+          </a:bodyPr>
+          <a:lstStyle/>
+          <a:p>
+            <a:pPr algn="ctr"/>
+            <a:endParaRPr kumimoji="1" lang="zh-CN" altLang="en-US"/>
+          </a:p>
+        </p:txBody>
+      </p:sp>
+      <p:sp>
+        <p:nvSpPr>
+          <p:cNvPr id="12" name="矩形 11">
+            <a:extLst>
+              <a:ext uri="{FF2B5EF4-FFF2-40B4-BE49-F238E27FC236}">
+                <a16:creationId xmlns:a16="http://schemas.microsoft.com/office/drawing/2014/main" id="{B4EE4085-8B81-0446-810B-05651C0FB0E9}"/>
+              </a:ext>
+            </a:extLst>
+          </p:cNvPr>
+          <p:cNvSpPr/>
+          <p:nvPr/>
+        </p:nvSpPr>
+        <p:spPr>
+          <a:xfrm>
+            <a:off x="8227560" y="1988183"/>
+            <a:ext cx="1617751" cy="923330"/>
+          </a:xfrm>
+          <a:prstGeom prst="rect">
+            <a:avLst/>
+          </a:prstGeom>
+        </p:spPr>
+        <p:txBody>
+          <a:bodyPr wrap="none">
+            <a:spAutoFit/>
+          </a:bodyPr>
+          <a:lstStyle/>
+          <a:p>
+            <a:r>
+              <a:rPr lang="zh-CN" altLang="en-US" dirty="0"/>
+              <a:t>顺序化状态机</a:t>
+            </a:r>
+            <a:endParaRPr lang="en-US" altLang="zh-CN" dirty="0"/>
+          </a:p>
+          <a:p>
+            <a:r>
+              <a:rPr lang="en-US" altLang="zh-CN" dirty="0"/>
+              <a:t>+ </a:t>
+            </a:r>
+            <a:r>
+              <a:rPr lang="zh-CN" altLang="en-US" dirty="0"/>
+              <a:t>形式化描述</a:t>
+            </a:r>
+            <a:r>
+              <a:rPr lang="en-US" altLang="zh-CN" dirty="0"/>
+              <a:t> </a:t>
+            </a:r>
+          </a:p>
+          <a:p>
+            <a:r>
+              <a:rPr lang="en-US" altLang="zh-CN" dirty="0"/>
+              <a:t>+</a:t>
+            </a:r>
+            <a:r>
+              <a:rPr lang="zh-CN" altLang="en-US" dirty="0"/>
+              <a:t>不变式验证</a:t>
+            </a:r>
+          </a:p>
+        </p:txBody>
+      </p:sp>
+      <p:sp>
+        <p:nvSpPr>
+          <p:cNvPr id="13" name="上箭头 12">
+            <a:extLst>
+              <a:ext uri="{FF2B5EF4-FFF2-40B4-BE49-F238E27FC236}">
+                <a16:creationId xmlns:a16="http://schemas.microsoft.com/office/drawing/2014/main" id="{56246CF3-14E3-0F4D-BCA9-26267326FA08}"/>
+              </a:ext>
+            </a:extLst>
+          </p:cNvPr>
+          <p:cNvSpPr/>
+          <p:nvPr/>
+        </p:nvSpPr>
+        <p:spPr>
+          <a:xfrm>
+            <a:off x="2807083" y="1621083"/>
+            <a:ext cx="437321" cy="1411504"/>
+          </a:xfrm>
+          <a:prstGeom prst="upArrow">
+            <a:avLst/>
+          </a:prstGeom>
+          <a:gradFill flip="none" rotWithShape="1">
+            <a:gsLst>
+              <a:gs pos="0">
+                <a:schemeClr val="accent3">
+                  <a:lumMod val="67000"/>
+                </a:schemeClr>
+              </a:gs>
+              <a:gs pos="48000">
+                <a:schemeClr val="accent3">
+                  <a:lumMod val="97000"/>
+                  <a:lumOff val="3000"/>
+                </a:schemeClr>
+              </a:gs>
+              <a:gs pos="100000">
+                <a:schemeClr val="accent3">
+                  <a:lumMod val="60000"/>
+                  <a:lumOff val="40000"/>
+                </a:schemeClr>
+              </a:gs>
+            </a:gsLst>
+            <a:lin ang="16200000" scaled="1"/>
+            <a:tileRect/>
+          </a:gradFill>
+          <a:ln>
+            <a:noFill/>
+          </a:ln>
+        </p:spPr>
+        <p:style>
+          <a:lnRef idx="0">
+            <a:scrgbClr r="0" g="0" b="0"/>
+          </a:lnRef>
+          <a:fillRef idx="0">
+            <a:scrgbClr r="0" g="0" b="0"/>
+          </a:fillRef>
+          <a:effectRef idx="0">
+            <a:scrgbClr r="0" g="0" b="0"/>
+          </a:effectRef>
+          <a:fontRef idx="minor">
+            <a:schemeClr val="lt1"/>
+          </a:fontRef>
+        </p:style>
+        <p:txBody>
+          <a:bodyPr rtlCol="0" anchor="ctr"/>
+          <a:lstStyle/>
+          <a:p>
+            <a:pPr algn="ctr"/>
+            <a:endParaRPr kumimoji="1" lang="zh-CN" altLang="en-US"/>
+          </a:p>
+        </p:txBody>
+      </p:sp>
+      <p:sp>
+        <p:nvSpPr>
+          <p:cNvPr id="14" name="矩形 13">
+            <a:extLst>
+              <a:ext uri="{FF2B5EF4-FFF2-40B4-BE49-F238E27FC236}">
+                <a16:creationId xmlns:a16="http://schemas.microsoft.com/office/drawing/2014/main" id="{82CA5568-8FE3-114C-8B04-C35594067BEB}"/>
+              </a:ext>
+            </a:extLst>
+          </p:cNvPr>
+          <p:cNvSpPr/>
+          <p:nvPr/>
+        </p:nvSpPr>
+        <p:spPr>
+          <a:xfrm>
+            <a:off x="1446167" y="2027943"/>
+            <a:ext cx="1798237" cy="646331"/>
+          </a:xfrm>
+          <a:prstGeom prst="rect">
+            <a:avLst/>
+          </a:prstGeom>
+        </p:spPr>
+        <p:txBody>
+          <a:bodyPr wrap="square">
+            <a:spAutoFit/>
+          </a:bodyPr>
+          <a:lstStyle/>
+          <a:p>
+            <a:r>
+              <a:rPr kumimoji="1" lang="zh-CN" altLang="en-US" dirty="0"/>
+              <a:t>顺序化状态机</a:t>
+            </a:r>
+            <a:endParaRPr kumimoji="1" lang="en-US" altLang="zh-CN" dirty="0"/>
+          </a:p>
+          <a:p>
+            <a:r>
+              <a:rPr kumimoji="1" lang="en-US" altLang="zh-CN" dirty="0"/>
+              <a:t>+ </a:t>
+            </a:r>
+            <a:r>
+              <a:rPr kumimoji="1" lang="zh-CN" altLang="en-US" dirty="0"/>
+              <a:t>归纳法</a:t>
+            </a:r>
+            <a:endParaRPr lang="zh-CN" altLang="en-US" dirty="0"/>
+          </a:p>
+        </p:txBody>
+      </p:sp>
+      <p:sp>
+        <p:nvSpPr>
+          <p:cNvPr id="16" name="上箭头 15">
+            <a:extLst>
+              <a:ext uri="{FF2B5EF4-FFF2-40B4-BE49-F238E27FC236}">
+                <a16:creationId xmlns:a16="http://schemas.microsoft.com/office/drawing/2014/main" id="{914DCF4A-84DA-5C44-A08B-A43B76CED630}"/>
+              </a:ext>
+            </a:extLst>
+          </p:cNvPr>
+          <p:cNvSpPr/>
+          <p:nvPr/>
+        </p:nvSpPr>
+        <p:spPr>
+          <a:xfrm>
+            <a:off x="5935772" y="4121560"/>
+            <a:ext cx="437321" cy="611162"/>
+          </a:xfrm>
+          <a:prstGeom prst="upArrow">
+            <a:avLst/>
+          </a:prstGeom>
+          <a:ln/>
+        </p:spPr>
+        <p:style>
+          <a:lnRef idx="1">
+            <a:schemeClr val="dk1"/>
+          </a:lnRef>
+          <a:fillRef idx="3">
+            <a:schemeClr val="dk1"/>
+          </a:fillRef>
+          <a:effectRef idx="2">
+            <a:schemeClr val="dk1"/>
+          </a:effectRef>
+          <a:fontRef idx="minor">
+            <a:schemeClr val="lt1"/>
+          </a:fontRef>
+        </p:style>
+        <p:txBody>
+          <a:bodyPr rot="0" spcFirstLastPara="0" vertOverflow="overflow" horzOverflow="overflow" vert="horz" wrap="square" lIns="91440" tIns="45720" rIns="91440" bIns="45720" numCol="1" spcCol="0" rtlCol="0" fromWordArt="0" anchor="ctr" anchorCtr="0" forceAA="0" compatLnSpc="1">
+            <a:prstTxWarp prst="textNoShape">
+              <a:avLst/>
+            </a:prstTxWarp>
+            <a:noAutofit/>
+          </a:bodyPr>
+          <a:lstStyle/>
+          <a:p>
+            <a:pPr algn="ctr"/>
+            <a:endParaRPr kumimoji="1" lang="zh-CN" altLang="en-US"/>
           </a:p>
         </p:txBody>
       </p:sp>

--- a/StateMachine.pptx
+++ b/StateMachine.pptx
@@ -3341,7 +3341,7 @@
         <p:spPr>
           <a:xfrm>
             <a:off x="1222515" y="3041374"/>
-            <a:ext cx="10336694" cy="2514600"/>
+            <a:ext cx="10336694" cy="1832467"/>
           </a:xfrm>
           <a:prstGeom prst="rect">
             <a:avLst/>
@@ -3367,24 +3367,13 @@
           <a:p>
             <a:pPr algn="ctr"/>
             <a:r>
+              <a:rPr kumimoji="1" lang="en-US" altLang="zh-CN" sz="2000" dirty="0"/>
+              <a:t>Partial/Total Ordering </a:t>
+            </a:r>
+            <a:r>
               <a:rPr kumimoji="1" lang="zh-CN" altLang="en-US" sz="2000" dirty="0"/>
-              <a:t>状态机理论</a:t>
-            </a:r>
-            <a:r>
-              <a:rPr kumimoji="1" lang="en-US" altLang="zh-CN" sz="2000" dirty="0"/>
-              <a:t>(</a:t>
-            </a:r>
-            <a:r>
-              <a:rPr kumimoji="1" lang="zh-CN" altLang="en-US" sz="2000" dirty="0"/>
-              <a:t>基础</a:t>
-            </a:r>
-            <a:r>
-              <a:rPr kumimoji="1" lang="en-US" altLang="zh-CN" sz="2000" dirty="0"/>
-              <a:t>)</a:t>
-            </a:r>
-          </a:p>
-          <a:p>
-            <a:pPr algn="ctr"/>
+              <a:t>理论</a:t>
+            </a:r>
             <a:endParaRPr kumimoji="1" lang="en-US" altLang="zh-CN" sz="2000" dirty="0"/>
           </a:p>
           <a:p>
@@ -3399,10 +3388,6 @@
             <a:pPr algn="ctr"/>
             <a:endParaRPr kumimoji="1" lang="en-US" altLang="zh-CN" sz="2800" dirty="0"/>
           </a:p>
-          <a:p>
-            <a:pPr algn="ctr"/>
-            <a:endParaRPr kumimoji="1" lang="en-US" altLang="zh-CN" sz="2800" dirty="0"/>
-          </a:p>
         </p:txBody>
       </p:sp>
       <p:sp>
@@ -3419,8 +3404,8 @@
         </p:nvSpPr>
         <p:spPr>
           <a:xfrm>
-            <a:off x="1222515" y="1094309"/>
-            <a:ext cx="2978607" cy="526774"/>
+            <a:off x="1222514" y="1094309"/>
+            <a:ext cx="3399181" cy="526774"/>
           </a:xfrm>
           <a:prstGeom prst="rect">
             <a:avLst/>
@@ -3453,12 +3438,12 @@
           <a:p>
             <a:pPr algn="ctr"/>
             <a:r>
-              <a:rPr kumimoji="1" lang="zh-CN" altLang="en-US" dirty="0">
-                <a:solidFill>
-                  <a:schemeClr val="lt1"/>
-                </a:solidFill>
-              </a:rPr>
-              <a:t>归纳法证明</a:t>
+              <a:rPr lang="en" altLang="zh-CN" dirty="0"/>
+              <a:t>Fast </a:t>
+            </a:r>
+            <a:r>
+              <a:rPr lang="en" altLang="zh-CN" dirty="0" err="1"/>
+              <a:t>Paxos</a:t>
             </a:r>
             <a:endParaRPr kumimoji="1" lang="en-US" altLang="zh-CN" dirty="0">
               <a:solidFill>
@@ -3477,14 +3462,6 @@
               <a:t>(</a:t>
             </a:r>
             <a:r>
-              <a:rPr kumimoji="1" lang="zh-CN" altLang="en-US" dirty="0">
-                <a:solidFill>
-                  <a:schemeClr val="lt1"/>
-                </a:solidFill>
-              </a:rPr>
-              <a:t>例如 </a:t>
-            </a:r>
-            <a:r>
               <a:rPr kumimoji="1" lang="en-US" altLang="zh-CN" dirty="0" err="1">
                 <a:solidFill>
                   <a:schemeClr val="lt1"/>
@@ -3493,12 +3470,40 @@
               <a:t>Paxos</a:t>
             </a:r>
             <a:r>
+              <a:rPr kumimoji="1" lang="en-US" altLang="zh-CN" dirty="0">
+                <a:solidFill>
+                  <a:schemeClr val="lt1"/>
+                </a:solidFill>
+              </a:rPr>
+              <a:t>/</a:t>
+            </a:r>
+            <a:r>
+              <a:rPr kumimoji="1" lang="en-US" altLang="zh-CN" dirty="0" err="1">
+                <a:solidFill>
+                  <a:schemeClr val="lt1"/>
+                </a:solidFill>
+              </a:rPr>
+              <a:t>Fastpaxos</a:t>
+            </a:r>
+            <a:r>
               <a:rPr kumimoji="1" lang="zh-CN" altLang="en-US" dirty="0">
                 <a:solidFill>
                   <a:schemeClr val="lt1"/>
                 </a:solidFill>
               </a:rPr>
-              <a:t> 的正确性）</a:t>
+              <a:t> 的</a:t>
+            </a:r>
+            <a:r>
+              <a:rPr kumimoji="1" lang="zh-CN" altLang="en-US" dirty="0"/>
+              <a:t>归纳法</a:t>
+            </a:r>
+            <a:r>
+              <a:rPr kumimoji="1" lang="zh-CN" altLang="en-US" dirty="0">
+                <a:solidFill>
+                  <a:schemeClr val="lt1"/>
+                </a:solidFill>
+              </a:rPr>
+              <a:t>证明）</a:t>
             </a:r>
           </a:p>
         </p:txBody>
@@ -3657,8 +3662,8 @@
         </p:nvSpPr>
         <p:spPr>
           <a:xfrm>
-            <a:off x="1446166" y="3556214"/>
-            <a:ext cx="9853855" cy="565346"/>
+            <a:off x="1446165" y="3632186"/>
+            <a:ext cx="3907069" cy="937598"/>
           </a:xfrm>
           <a:prstGeom prst="rect">
             <a:avLst/>
@@ -3688,22 +3693,21 @@
           </a:bodyPr>
           <a:lstStyle/>
           <a:p>
-            <a:pPr algn="ctr"/>
             <a:r>
               <a:rPr kumimoji="1" lang="en-US" altLang="zh-CN" dirty="0"/>
               <a:t> </a:t>
             </a:r>
             <a:r>
               <a:rPr kumimoji="1" lang="en-US" altLang="zh-CN" b="1" dirty="0"/>
-              <a:t>《Computation and State Machines》 </a:t>
+              <a:t>《Computation and State Machines》</a:t>
             </a:r>
             <a:r>
               <a:rPr kumimoji="1" lang="en-US" altLang="zh-CN" dirty="0"/>
-              <a:t>:</a:t>
+              <a:t>: </a:t>
             </a:r>
             <a:r>
               <a:rPr kumimoji="1" lang="zh-CN" altLang="en-US" dirty="0"/>
-              <a:t>事件、状态、行为、不变式和归纳法推导</a:t>
+              <a:t>状态机、不变式和归纳法</a:t>
             </a:r>
             <a:endParaRPr kumimoji="1" lang="en-US" altLang="zh-CN" dirty="0"/>
           </a:p>
@@ -3723,8 +3727,8 @@
         </p:nvSpPr>
         <p:spPr>
           <a:xfrm>
-            <a:off x="1418892" y="4732722"/>
-            <a:ext cx="9881130" cy="725918"/>
+            <a:off x="5639843" y="3619643"/>
+            <a:ext cx="5769234" cy="950142"/>
           </a:xfrm>
           <a:prstGeom prst="rect">
             <a:avLst/>
@@ -3754,7 +3758,6 @@
           </a:bodyPr>
           <a:lstStyle/>
           <a:p>
-            <a:pPr algn="ctr"/>
             <a:r>
               <a:rPr kumimoji="1" lang="en-US" altLang="zh-CN" dirty="0">
                 <a:solidFill>
@@ -3788,12 +3791,8 @@
               <a:t>》: </a:t>
             </a:r>
             <a:r>
-              <a:rPr kumimoji="1" lang="zh-CN" altLang="en-US" b="1" dirty="0">
-                <a:solidFill>
-                  <a:schemeClr val="dk1"/>
-                </a:solidFill>
-              </a:rPr>
-              <a:t> </a:t>
+              <a:rPr kumimoji="1" lang="en-US" altLang="zh-CN" dirty="0"/>
+              <a:t>Partial</a:t>
             </a:r>
             <a:r>
               <a:rPr kumimoji="1" lang="en-US" altLang="zh-CN" dirty="0">
@@ -3801,7 +3800,7 @@
                   <a:schemeClr val="dk1"/>
                 </a:solidFill>
               </a:rPr>
-              <a:t>Causal Ordering </a:t>
+              <a:t> Ordering </a:t>
             </a:r>
             <a:r>
               <a:rPr kumimoji="1" lang="zh-CN" altLang="en-US" dirty="0">
@@ -3829,7 +3828,19 @@
                   <a:schemeClr val="dk1"/>
                 </a:solidFill>
               </a:rPr>
-              <a:t>为什么能把分布式系统看成一个</a:t>
+              <a:t>为什么能把分布式</a:t>
+            </a:r>
+            <a:r>
+              <a:rPr kumimoji="1" lang="zh-CN" altLang="en-US" dirty="0"/>
+              <a:t>系统</a:t>
+            </a:r>
+            <a:r>
+              <a:rPr kumimoji="1" lang="zh-CN" altLang="en-US" dirty="0">
+                <a:solidFill>
+                  <a:schemeClr val="dk1"/>
+                </a:solidFill>
+              </a:rPr>
+              <a:t>成一个</a:t>
             </a:r>
             <a:r>
               <a:rPr kumimoji="1" lang="zh-CN" altLang="en-US" b="1" dirty="0"/>
@@ -3955,14 +3966,19 @@
           <a:p>
             <a:r>
               <a:rPr kumimoji="1" lang="zh-CN" altLang="en-US" dirty="0"/>
-              <a:t>无因果序事件的</a:t>
-            </a:r>
-            <a:endParaRPr kumimoji="1" lang="en-US" altLang="zh-CN" dirty="0"/>
-          </a:p>
-          <a:p>
+              <a:t>交换无</a:t>
+            </a:r>
             <a:r>
               <a:rPr kumimoji="1" lang="en-US" altLang="zh-CN" dirty="0"/>
-              <a:t>Reorder </a:t>
+              <a:t> Partial Order </a:t>
+            </a:r>
+            <a:r>
+              <a:rPr kumimoji="1" lang="zh-CN" altLang="en-US" dirty="0"/>
+              <a:t>的事件</a:t>
+            </a:r>
+            <a:r>
+              <a:rPr kumimoji="1" lang="en-US" altLang="zh-CN" dirty="0"/>
+              <a:t> </a:t>
             </a:r>
             <a:r>
               <a:rPr kumimoji="1" lang="zh-CN" altLang="en-US" dirty="0"/>
@@ -4073,7 +4089,7 @@
         <p:spPr>
           <a:xfrm>
             <a:off x="8227560" y="1988183"/>
-            <a:ext cx="1617751" cy="923330"/>
+            <a:ext cx="1569660" cy="923330"/>
           </a:xfrm>
           <a:prstGeom prst="rect">
             <a:avLst/>
@@ -4098,7 +4114,7 @@
             </a:r>
             <a:r>
               <a:rPr lang="zh-CN" altLang="en-US" dirty="0"/>
-              <a:t>形式化描述</a:t>
+              <a:t>模拟执行</a:t>
             </a:r>
             <a:r>
               <a:rPr lang="en-US" altLang="zh-CN" dirty="0"/>
@@ -4112,7 +4128,7 @@
             </a:r>
             <a:r>
               <a:rPr lang="zh-CN" altLang="en-US" dirty="0"/>
-              <a:t>不变式验证</a:t>
+              <a:t>不变式检验</a:t>
             </a:r>
           </a:p>
         </p:txBody>
@@ -4230,56 +4246,6 @@
               <a:t>归纳法</a:t>
             </a:r>
             <a:endParaRPr lang="zh-CN" altLang="en-US" dirty="0"/>
-          </a:p>
-        </p:txBody>
-      </p:sp>
-      <p:sp>
-        <p:nvSpPr>
-          <p:cNvPr id="16" name="上箭头 15">
-            <a:extLst>
-              <a:ext uri="{FF2B5EF4-FFF2-40B4-BE49-F238E27FC236}">
-                <a16:creationId xmlns:a16="http://schemas.microsoft.com/office/drawing/2014/main" id="{914DCF4A-84DA-5C44-A08B-A43B76CED630}"/>
-              </a:ext>
-            </a:extLst>
-          </p:cNvPr>
-          <p:cNvSpPr/>
-          <p:nvPr/>
-        </p:nvSpPr>
-        <p:spPr>
-          <a:xfrm>
-            <a:off x="5935772" y="4121560"/>
-            <a:ext cx="437321" cy="611162"/>
-          </a:xfrm>
-          <a:prstGeom prst="upArrow">
-            <a:avLst/>
-          </a:prstGeom>
-          <a:ln/>
-        </p:spPr>
-        <p:style>
-          <a:lnRef idx="1">
-            <a:schemeClr val="dk1"/>
-          </a:lnRef>
-          <a:fillRef idx="3">
-            <a:schemeClr val="dk1"/>
-          </a:fillRef>
-          <a:effectRef idx="2">
-            <a:schemeClr val="dk1"/>
-          </a:effectRef>
-          <a:fontRef idx="minor">
-            <a:schemeClr val="lt1"/>
-          </a:fontRef>
-        </p:style>
-        <p:txBody>
-          <a:bodyPr rot="0" spcFirstLastPara="0" vertOverflow="overflow" horzOverflow="overflow" vert="horz" wrap="square" lIns="91440" tIns="45720" rIns="91440" bIns="45720" numCol="1" spcCol="0" rtlCol="0" fromWordArt="0" anchor="ctr" anchorCtr="0" forceAA="0" compatLnSpc="1">
-            <a:prstTxWarp prst="textNoShape">
-              <a:avLst/>
-            </a:prstTxWarp>
-            <a:noAutofit/>
-          </a:bodyPr>
-          <a:lstStyle/>
-          <a:p>
-            <a:pPr algn="ctr"/>
-            <a:endParaRPr kumimoji="1" lang="zh-CN" altLang="en-US"/>
           </a:p>
         </p:txBody>
       </p:sp>

--- a/StateMachine.pptx
+++ b/StateMachine.pptx
@@ -259,7 +259,7 @@
           <a:p>
             <a:fld id="{892BB9A4-FB32-0A48-BBE4-48FDA96CB388}" type="datetimeFigureOut">
               <a:rPr kumimoji="1" lang="zh-CN" altLang="en-US" smtClean="0"/>
-              <a:t>2020/6/14</a:t>
+              <a:t>2020/8/8</a:t>
             </a:fld>
             <a:endParaRPr kumimoji="1" lang="zh-CN" altLang="en-US"/>
           </a:p>
@@ -457,7 +457,7 @@
           <a:p>
             <a:fld id="{892BB9A4-FB32-0A48-BBE4-48FDA96CB388}" type="datetimeFigureOut">
               <a:rPr kumimoji="1" lang="zh-CN" altLang="en-US" smtClean="0"/>
-              <a:t>2020/6/14</a:t>
+              <a:t>2020/8/8</a:t>
             </a:fld>
             <a:endParaRPr kumimoji="1" lang="zh-CN" altLang="en-US"/>
           </a:p>
@@ -665,7 +665,7 @@
           <a:p>
             <a:fld id="{892BB9A4-FB32-0A48-BBE4-48FDA96CB388}" type="datetimeFigureOut">
               <a:rPr kumimoji="1" lang="zh-CN" altLang="en-US" smtClean="0"/>
-              <a:t>2020/6/14</a:t>
+              <a:t>2020/8/8</a:t>
             </a:fld>
             <a:endParaRPr kumimoji="1" lang="zh-CN" altLang="en-US"/>
           </a:p>
@@ -863,7 +863,7 @@
           <a:p>
             <a:fld id="{892BB9A4-FB32-0A48-BBE4-48FDA96CB388}" type="datetimeFigureOut">
               <a:rPr kumimoji="1" lang="zh-CN" altLang="en-US" smtClean="0"/>
-              <a:t>2020/6/14</a:t>
+              <a:t>2020/8/8</a:t>
             </a:fld>
             <a:endParaRPr kumimoji="1" lang="zh-CN" altLang="en-US"/>
           </a:p>
@@ -1138,7 +1138,7 @@
           <a:p>
             <a:fld id="{892BB9A4-FB32-0A48-BBE4-48FDA96CB388}" type="datetimeFigureOut">
               <a:rPr kumimoji="1" lang="zh-CN" altLang="en-US" smtClean="0"/>
-              <a:t>2020/6/14</a:t>
+              <a:t>2020/8/8</a:t>
             </a:fld>
             <a:endParaRPr kumimoji="1" lang="zh-CN" altLang="en-US"/>
           </a:p>
@@ -1403,7 +1403,7 @@
           <a:p>
             <a:fld id="{892BB9A4-FB32-0A48-BBE4-48FDA96CB388}" type="datetimeFigureOut">
               <a:rPr kumimoji="1" lang="zh-CN" altLang="en-US" smtClean="0"/>
-              <a:t>2020/6/14</a:t>
+              <a:t>2020/8/8</a:t>
             </a:fld>
             <a:endParaRPr kumimoji="1" lang="zh-CN" altLang="en-US"/>
           </a:p>
@@ -1815,7 +1815,7 @@
           <a:p>
             <a:fld id="{892BB9A4-FB32-0A48-BBE4-48FDA96CB388}" type="datetimeFigureOut">
               <a:rPr kumimoji="1" lang="zh-CN" altLang="en-US" smtClean="0"/>
-              <a:t>2020/6/14</a:t>
+              <a:t>2020/8/8</a:t>
             </a:fld>
             <a:endParaRPr kumimoji="1" lang="zh-CN" altLang="en-US"/>
           </a:p>
@@ -1956,7 +1956,7 @@
           <a:p>
             <a:fld id="{892BB9A4-FB32-0A48-BBE4-48FDA96CB388}" type="datetimeFigureOut">
               <a:rPr kumimoji="1" lang="zh-CN" altLang="en-US" smtClean="0"/>
-              <a:t>2020/6/14</a:t>
+              <a:t>2020/8/8</a:t>
             </a:fld>
             <a:endParaRPr kumimoji="1" lang="zh-CN" altLang="en-US"/>
           </a:p>
@@ -2069,7 +2069,7 @@
           <a:p>
             <a:fld id="{892BB9A4-FB32-0A48-BBE4-48FDA96CB388}" type="datetimeFigureOut">
               <a:rPr kumimoji="1" lang="zh-CN" altLang="en-US" smtClean="0"/>
-              <a:t>2020/6/14</a:t>
+              <a:t>2020/8/8</a:t>
             </a:fld>
             <a:endParaRPr kumimoji="1" lang="zh-CN" altLang="en-US"/>
           </a:p>
@@ -2380,7 +2380,7 @@
           <a:p>
             <a:fld id="{892BB9A4-FB32-0A48-BBE4-48FDA96CB388}" type="datetimeFigureOut">
               <a:rPr kumimoji="1" lang="zh-CN" altLang="en-US" smtClean="0"/>
-              <a:t>2020/6/14</a:t>
+              <a:t>2020/8/8</a:t>
             </a:fld>
             <a:endParaRPr kumimoji="1" lang="zh-CN" altLang="en-US"/>
           </a:p>
@@ -2668,7 +2668,7 @@
           <a:p>
             <a:fld id="{892BB9A4-FB32-0A48-BBE4-48FDA96CB388}" type="datetimeFigureOut">
               <a:rPr kumimoji="1" lang="zh-CN" altLang="en-US" smtClean="0"/>
-              <a:t>2020/6/14</a:t>
+              <a:t>2020/8/8</a:t>
             </a:fld>
             <a:endParaRPr kumimoji="1" lang="zh-CN" altLang="en-US"/>
           </a:p>
@@ -2909,7 +2909,7 @@
           <a:p>
             <a:fld id="{892BB9A4-FB32-0A48-BBE4-48FDA96CB388}" type="datetimeFigureOut">
               <a:rPr kumimoji="1" lang="zh-CN" altLang="en-US" smtClean="0"/>
-              <a:t>2020/6/14</a:t>
+              <a:t>2020/8/8</a:t>
             </a:fld>
             <a:endParaRPr kumimoji="1" lang="zh-CN" altLang="en-US"/>
           </a:p>
@@ -3367,12 +3367,8 @@
           <a:p>
             <a:pPr algn="ctr"/>
             <a:r>
-              <a:rPr kumimoji="1" lang="en-US" altLang="zh-CN" sz="2000" dirty="0"/>
-              <a:t>Partial/Total Ordering </a:t>
-            </a:r>
-            <a:r>
               <a:rPr kumimoji="1" lang="zh-CN" altLang="en-US" sz="2000" dirty="0"/>
-              <a:t>理论</a:t>
+              <a:t>状态机理论基础</a:t>
             </a:r>
             <a:endParaRPr kumimoji="1" lang="en-US" altLang="zh-CN" sz="2000" dirty="0"/>
           </a:p>
@@ -3438,30 +3434,6 @@
           <a:p>
             <a:pPr algn="ctr"/>
             <a:r>
-              <a:rPr lang="en" altLang="zh-CN" dirty="0"/>
-              <a:t>Fast </a:t>
-            </a:r>
-            <a:r>
-              <a:rPr lang="en" altLang="zh-CN" dirty="0" err="1"/>
-              <a:t>Paxos</a:t>
-            </a:r>
-            <a:endParaRPr kumimoji="1" lang="en-US" altLang="zh-CN" dirty="0">
-              <a:solidFill>
-                <a:schemeClr val="lt1"/>
-              </a:solidFill>
-            </a:endParaRPr>
-          </a:p>
-          <a:p>
-            <a:pPr algn="ctr"/>
-            <a:r>
-              <a:rPr kumimoji="1" lang="en-US" altLang="zh-CN" dirty="0">
-                <a:solidFill>
-                  <a:schemeClr val="lt1"/>
-                </a:solidFill>
-              </a:rPr>
-              <a:t>(</a:t>
-            </a:r>
-            <a:r>
               <a:rPr kumimoji="1" lang="en-US" altLang="zh-CN" dirty="0" err="1">
                 <a:solidFill>
                   <a:schemeClr val="lt1"/>
@@ -3475,15 +3447,7 @@
                   <a:schemeClr val="lt1"/>
                 </a:solidFill>
               </a:rPr>
-              <a:t>/</a:t>
-            </a:r>
-            <a:r>
-              <a:rPr kumimoji="1" lang="en-US" altLang="zh-CN" dirty="0" err="1">
-                <a:solidFill>
-                  <a:schemeClr val="lt1"/>
-                </a:solidFill>
-              </a:rPr>
-              <a:t>Fastpaxos</a:t>
+              <a:t> </a:t>
             </a:r>
             <a:r>
               <a:rPr kumimoji="1" lang="zh-CN" altLang="en-US" dirty="0">
@@ -3491,7 +3455,7 @@
                   <a:schemeClr val="lt1"/>
                 </a:solidFill>
               </a:rPr>
-              <a:t> 的</a:t>
+              <a:t>的</a:t>
             </a:r>
             <a:r>
               <a:rPr kumimoji="1" lang="zh-CN" altLang="en-US" dirty="0"/>
@@ -3503,7 +3467,7 @@
                   <a:schemeClr val="lt1"/>
                 </a:solidFill>
               </a:rPr>
-              <a:t>证明）</a:t>
+              <a:t>证明</a:t>
             </a:r>
           </a:p>
         </p:txBody>
@@ -3557,14 +3521,14 @@
             <a:pPr algn="ctr"/>
             <a:r>
               <a:rPr kumimoji="1" lang="en-US" altLang="zh-CN" dirty="0"/>
-              <a:t>《Distributed Snapshots》</a:t>
+              <a:t>Distributed Snapshot</a:t>
             </a:r>
           </a:p>
           <a:p>
             <a:pPr algn="ctr"/>
             <a:r>
               <a:rPr kumimoji="1" lang="zh-CN" altLang="en-US" dirty="0"/>
-              <a:t>分布式快照的正确性证明</a:t>
+              <a:t>的正确性推导</a:t>
             </a:r>
           </a:p>
         </p:txBody>
@@ -3624,14 +3588,6 @@
               </a:rPr>
               <a:t>形式化验证 </a:t>
             </a:r>
-            <a:endParaRPr kumimoji="1" lang="en-US" altLang="zh-CN" dirty="0">
-              <a:solidFill>
-                <a:schemeClr val="lt1"/>
-              </a:solidFill>
-            </a:endParaRPr>
-          </a:p>
-          <a:p>
-            <a:pPr algn="ctr"/>
             <a:r>
               <a:rPr kumimoji="1" lang="en-US" altLang="zh-CN" dirty="0">
                 <a:solidFill>
@@ -3662,8 +3618,8 @@
         </p:nvSpPr>
         <p:spPr>
           <a:xfrm>
-            <a:off x="1446165" y="3632186"/>
-            <a:ext cx="3907069" cy="937598"/>
+            <a:off x="1349407" y="3632186"/>
+            <a:ext cx="4003828" cy="937598"/>
           </a:xfrm>
           <a:prstGeom prst="rect">
             <a:avLst/>
@@ -3694,16 +3650,12 @@
           <a:lstStyle/>
           <a:p>
             <a:r>
+              <a:rPr kumimoji="1" lang="en-US" altLang="zh-CN" b="1" dirty="0"/>
+              <a:t>《 Computation and State Machines》</a:t>
+            </a:r>
+            <a:r>
               <a:rPr kumimoji="1" lang="en-US" altLang="zh-CN" dirty="0"/>
               <a:t> </a:t>
-            </a:r>
-            <a:r>
-              <a:rPr kumimoji="1" lang="en-US" altLang="zh-CN" b="1" dirty="0"/>
-              <a:t>《Computation and State Machines》</a:t>
-            </a:r>
-            <a:r>
-              <a:rPr kumimoji="1" lang="en-US" altLang="zh-CN" dirty="0"/>
-              <a:t>: </a:t>
             </a:r>
             <a:r>
               <a:rPr kumimoji="1" lang="zh-CN" altLang="en-US" dirty="0"/>
@@ -3791,60 +3743,28 @@
               <a:t>》: </a:t>
             </a:r>
             <a:r>
-              <a:rPr kumimoji="1" lang="en-US" altLang="zh-CN" dirty="0"/>
-              <a:t>Partial</a:t>
-            </a:r>
-            <a:r>
-              <a:rPr kumimoji="1" lang="en-US" altLang="zh-CN" dirty="0">
-                <a:solidFill>
-                  <a:schemeClr val="dk1"/>
-                </a:solidFill>
-              </a:rPr>
-              <a:t> Ordering </a:t>
-            </a:r>
-            <a:r>
               <a:rPr kumimoji="1" lang="zh-CN" altLang="en-US" dirty="0">
                 <a:solidFill>
                   <a:schemeClr val="dk1"/>
                 </a:solidFill>
               </a:rPr>
-              <a:t>和</a:t>
-            </a:r>
-            <a:r>
-              <a:rPr kumimoji="1" lang="en-US" altLang="zh-CN" dirty="0">
+              <a:t>为什么能用</a:t>
+            </a:r>
+            <a:r>
+              <a:rPr kumimoji="1" lang="zh-CN" altLang="en-US" b="1" dirty="0">
                 <a:solidFill>
                   <a:schemeClr val="dk1"/>
                 </a:solidFill>
               </a:rPr>
-              <a:t> Total Ordering</a:t>
-            </a:r>
-            <a:r>
-              <a:rPr kumimoji="1" lang="en-US" altLang="zh-CN" dirty="0"/>
-              <a:t>; </a:t>
-            </a:r>
-            <a:r>
-              <a:rPr kumimoji="1" lang="zh-CN" altLang="en-US" dirty="0">
-                <a:solidFill>
-                  <a:schemeClr val="dk1"/>
-                </a:solidFill>
-              </a:rPr>
-              <a:t>为什么能把分布式</a:t>
+              <a:t>串行</a:t>
+            </a:r>
+            <a:r>
+              <a:rPr kumimoji="1" lang="zh-CN" altLang="en-US" b="1" dirty="0"/>
+              <a:t>化状态机</a:t>
             </a:r>
             <a:r>
               <a:rPr kumimoji="1" lang="zh-CN" altLang="en-US" dirty="0"/>
-              <a:t>系统</a:t>
-            </a:r>
-            <a:r>
-              <a:rPr kumimoji="1" lang="zh-CN" altLang="en-US" dirty="0">
-                <a:solidFill>
-                  <a:schemeClr val="dk1"/>
-                </a:solidFill>
-              </a:rPr>
-              <a:t>成一个</a:t>
-            </a:r>
-            <a:r>
-              <a:rPr kumimoji="1" lang="zh-CN" altLang="en-US" b="1" dirty="0"/>
-              <a:t>顺序化状态机</a:t>
+              <a:t>描述分布式系统</a:t>
             </a:r>
             <a:r>
               <a:rPr kumimoji="1" lang="en" altLang="zh-CN" dirty="0">
@@ -3951,8 +3871,8 @@
         </p:nvSpPr>
         <p:spPr>
           <a:xfrm>
-            <a:off x="4831083" y="1934494"/>
-            <a:ext cx="1827068" cy="923330"/>
+            <a:off x="5367782" y="1962099"/>
+            <a:ext cx="1389747" cy="646331"/>
           </a:xfrm>
           <a:prstGeom prst="rect">
             <a:avLst/>
@@ -3966,25 +3886,12 @@
           <a:p>
             <a:r>
               <a:rPr kumimoji="1" lang="zh-CN" altLang="en-US" dirty="0"/>
-              <a:t>交换无</a:t>
-            </a:r>
-            <a:r>
-              <a:rPr kumimoji="1" lang="en-US" altLang="zh-CN" dirty="0"/>
-              <a:t> Partial Order </a:t>
-            </a:r>
-            <a:r>
-              <a:rPr kumimoji="1" lang="zh-CN" altLang="en-US" dirty="0"/>
-              <a:t>的事件</a:t>
+              <a:t>状态机</a:t>
             </a:r>
             <a:r>
               <a:rPr kumimoji="1" lang="en-US" altLang="zh-CN" dirty="0"/>
               <a:t> </a:t>
             </a:r>
-            <a:r>
-              <a:rPr kumimoji="1" lang="zh-CN" altLang="en-US" dirty="0"/>
-              <a:t> </a:t>
-            </a:r>
-            <a:endParaRPr kumimoji="1" lang="en-US" altLang="zh-CN" dirty="0"/>
           </a:p>
           <a:p>
             <a:r>
@@ -3993,7 +3900,7 @@
             </a:r>
             <a:r>
               <a:rPr kumimoji="1" lang="zh-CN" altLang="en-US" dirty="0"/>
-              <a:t> 归纳法</a:t>
+              <a:t>归纳法</a:t>
             </a:r>
             <a:endParaRPr lang="zh-CN" altLang="en-US" dirty="0"/>
           </a:p>
@@ -4013,7 +3920,7 @@
         </p:nvSpPr>
         <p:spPr>
           <a:xfrm>
-            <a:off x="9619172" y="1621082"/>
+            <a:off x="10089689" y="1621082"/>
             <a:ext cx="437321" cy="1424324"/>
           </a:xfrm>
           <a:prstGeom prst="upArrow">
@@ -4088,8 +3995,8 @@
         </p:nvSpPr>
         <p:spPr>
           <a:xfrm>
-            <a:off x="8227560" y="1988183"/>
-            <a:ext cx="1569660" cy="923330"/>
+            <a:off x="8638559" y="1898487"/>
+            <a:ext cx="1492716" cy="923330"/>
           </a:xfrm>
           <a:prstGeom prst="rect">
             <a:avLst/>
@@ -4103,7 +4010,7 @@
           <a:p>
             <a:r>
               <a:rPr lang="zh-CN" altLang="en-US" dirty="0"/>
-              <a:t>顺序化状态机</a:t>
+              <a:t>状态机</a:t>
             </a:r>
             <a:endParaRPr lang="en-US" altLang="zh-CN" dirty="0"/>
           </a:p>
@@ -4217,8 +4124,8 @@
         </p:nvSpPr>
         <p:spPr>
           <a:xfrm>
-            <a:off x="1446167" y="2027943"/>
-            <a:ext cx="1798237" cy="646331"/>
+            <a:off x="1534942" y="2027943"/>
+            <a:ext cx="1272141" cy="923330"/>
           </a:xfrm>
           <a:prstGeom prst="rect">
             <a:avLst/>
@@ -4232,7 +4139,18 @@
           <a:p>
             <a:r>
               <a:rPr kumimoji="1" lang="zh-CN" altLang="en-US" dirty="0"/>
-              <a:t>顺序化状态机</a:t>
+              <a:t>状态机</a:t>
+            </a:r>
+            <a:endParaRPr kumimoji="1" lang="en-US" altLang="zh-CN" dirty="0"/>
+          </a:p>
+          <a:p>
+            <a:r>
+              <a:rPr kumimoji="1" lang="en-US" altLang="zh-CN" dirty="0"/>
+              <a:t>+</a:t>
+            </a:r>
+            <a:r>
+              <a:rPr kumimoji="1" lang="zh-CN" altLang="en-US" dirty="0"/>
+              <a:t>不变式</a:t>
             </a:r>
             <a:endParaRPr kumimoji="1" lang="en-US" altLang="zh-CN" dirty="0"/>
           </a:p>
